--- a/images/keda-architecture.pptx
+++ b/images/keda-architecture.pptx
@@ -259,7 +259,7 @@
           <a:p>
             <a:fld id="{B1FD6104-F9B7-48F9-9D06-3B68CBE66B8A}" type="datetimeFigureOut">
               <a:rPr lang="en-US" smtClean="0"/>
-              <a:t>1/18/2021</a:t>
+              <a:t>1/21/2021</a:t>
             </a:fld>
             <a:endParaRPr lang="en-US"/>
           </a:p>
@@ -457,7 +457,7 @@
           <a:p>
             <a:fld id="{B1FD6104-F9B7-48F9-9D06-3B68CBE66B8A}" type="datetimeFigureOut">
               <a:rPr lang="en-US" smtClean="0"/>
-              <a:t>1/18/2021</a:t>
+              <a:t>1/21/2021</a:t>
             </a:fld>
             <a:endParaRPr lang="en-US"/>
           </a:p>
@@ -665,7 +665,7 @@
           <a:p>
             <a:fld id="{B1FD6104-F9B7-48F9-9D06-3B68CBE66B8A}" type="datetimeFigureOut">
               <a:rPr lang="en-US" smtClean="0"/>
-              <a:t>1/18/2021</a:t>
+              <a:t>1/21/2021</a:t>
             </a:fld>
             <a:endParaRPr lang="en-US"/>
           </a:p>
@@ -1040,7 +1040,7 @@
           <a:p>
             <a:fld id="{B1FD6104-F9B7-48F9-9D06-3B68CBE66B8A}" type="datetimeFigureOut">
               <a:rPr lang="en-US" smtClean="0"/>
-              <a:t>1/18/2021</a:t>
+              <a:t>1/21/2021</a:t>
             </a:fld>
             <a:endParaRPr lang="en-US"/>
           </a:p>
@@ -1315,7 +1315,7 @@
           <a:p>
             <a:fld id="{B1FD6104-F9B7-48F9-9D06-3B68CBE66B8A}" type="datetimeFigureOut">
               <a:rPr lang="en-US" smtClean="0"/>
-              <a:t>1/18/2021</a:t>
+              <a:t>1/21/2021</a:t>
             </a:fld>
             <a:endParaRPr lang="en-US"/>
           </a:p>
@@ -1580,7 +1580,7 @@
           <a:p>
             <a:fld id="{B1FD6104-F9B7-48F9-9D06-3B68CBE66B8A}" type="datetimeFigureOut">
               <a:rPr lang="en-US" smtClean="0"/>
-              <a:t>1/18/2021</a:t>
+              <a:t>1/21/2021</a:t>
             </a:fld>
             <a:endParaRPr lang="en-US"/>
           </a:p>
@@ -1992,7 +1992,7 @@
           <a:p>
             <a:fld id="{B1FD6104-F9B7-48F9-9D06-3B68CBE66B8A}" type="datetimeFigureOut">
               <a:rPr lang="en-US" smtClean="0"/>
-              <a:t>1/18/2021</a:t>
+              <a:t>1/21/2021</a:t>
             </a:fld>
             <a:endParaRPr lang="en-US"/>
           </a:p>
@@ -2133,7 +2133,7 @@
           <a:p>
             <a:fld id="{B1FD6104-F9B7-48F9-9D06-3B68CBE66B8A}" type="datetimeFigureOut">
               <a:rPr lang="en-US" smtClean="0"/>
-              <a:t>1/18/2021</a:t>
+              <a:t>1/21/2021</a:t>
             </a:fld>
             <a:endParaRPr lang="en-US"/>
           </a:p>
@@ -2246,7 +2246,7 @@
           <a:p>
             <a:fld id="{B1FD6104-F9B7-48F9-9D06-3B68CBE66B8A}" type="datetimeFigureOut">
               <a:rPr lang="en-US" smtClean="0"/>
-              <a:t>1/18/2021</a:t>
+              <a:t>1/21/2021</a:t>
             </a:fld>
             <a:endParaRPr lang="en-US"/>
           </a:p>
@@ -2557,7 +2557,7 @@
           <a:p>
             <a:fld id="{B1FD6104-F9B7-48F9-9D06-3B68CBE66B8A}" type="datetimeFigureOut">
               <a:rPr lang="en-US" smtClean="0"/>
-              <a:t>1/18/2021</a:t>
+              <a:t>1/21/2021</a:t>
             </a:fld>
             <a:endParaRPr lang="en-US"/>
           </a:p>
@@ -2845,7 +2845,7 @@
           <a:p>
             <a:fld id="{B1FD6104-F9B7-48F9-9D06-3B68CBE66B8A}" type="datetimeFigureOut">
               <a:rPr lang="en-US" smtClean="0"/>
-              <a:t>1/18/2021</a:t>
+              <a:t>1/21/2021</a:t>
             </a:fld>
             <a:endParaRPr lang="en-US"/>
           </a:p>
@@ -3086,7 +3086,7 @@
           <a:p>
             <a:fld id="{B1FD6104-F9B7-48F9-9D06-3B68CBE66B8A}" type="datetimeFigureOut">
               <a:rPr lang="en-US" smtClean="0"/>
-              <a:t>1/18/2021</a:t>
+              <a:t>1/21/2021</a:t>
             </a:fld>
             <a:endParaRPr lang="en-US"/>
           </a:p>
@@ -4304,7 +4304,32 @@
                 <a:latin typeface="Segoe UI Semibold" panose="020B0702040204020203" pitchFamily="34" charset="0"/>
                 <a:cs typeface="Segoe UI Semibold" panose="020B0702040204020203" pitchFamily="34" charset="0"/>
               </a:rPr>
-              <a:t>Kubernetes store</a:t>
+              <a:t>Kubernetes</a:t>
+            </a:r>
+            <a:br>
+              <a:rPr lang="en-US" sz="1176" dirty="0">
+                <a:ln w="3175">
+                  <a:noFill/>
+                </a:ln>
+                <a:solidFill>
+                  <a:srgbClr val="000000"/>
+                </a:solidFill>
+                <a:latin typeface="Segoe UI Semibold" panose="020B0702040204020203" pitchFamily="34" charset="0"/>
+                <a:cs typeface="Segoe UI Semibold" panose="020B0702040204020203" pitchFamily="34" charset="0"/>
+              </a:rPr>
+            </a:br>
+            <a:r>
+              <a:rPr lang="en-US" sz="1176" dirty="0">
+                <a:ln w="3175">
+                  <a:noFill/>
+                </a:ln>
+                <a:solidFill>
+                  <a:srgbClr val="000000"/>
+                </a:solidFill>
+                <a:latin typeface="Segoe UI Semibold" panose="020B0702040204020203" pitchFamily="34" charset="0"/>
+                <a:cs typeface="Segoe UI Semibold" panose="020B0702040204020203" pitchFamily="34" charset="0"/>
+              </a:rPr>
+              <a:t>API Server</a:t>
             </a:r>
           </a:p>
         </p:txBody>

--- a/images/keda-architecture.pptx
+++ b/images/keda-architecture.pptx
@@ -259,7 +259,7 @@
           <a:p>
             <a:fld id="{B1FD6104-F9B7-48F9-9D06-3B68CBE66B8A}" type="datetimeFigureOut">
               <a:rPr lang="en-US" smtClean="0"/>
-              <a:t>1/21/2021</a:t>
+              <a:t>1/3/2023</a:t>
             </a:fld>
             <a:endParaRPr lang="en-US"/>
           </a:p>
@@ -313,7 +313,7 @@
           <a:p>
             <a:fld id="{D1BD6D83-ED2E-4BA7-A10B-89AC6C92712D}" type="slidenum">
               <a:rPr lang="en-US" smtClean="0"/>
-              <a:t>‹#›</a:t>
+              <a:t>‹Nº›</a:t>
             </a:fld>
             <a:endParaRPr lang="en-US"/>
           </a:p>
@@ -457,7 +457,7 @@
           <a:p>
             <a:fld id="{B1FD6104-F9B7-48F9-9D06-3B68CBE66B8A}" type="datetimeFigureOut">
               <a:rPr lang="en-US" smtClean="0"/>
-              <a:t>1/21/2021</a:t>
+              <a:t>1/3/2023</a:t>
             </a:fld>
             <a:endParaRPr lang="en-US"/>
           </a:p>
@@ -511,7 +511,7 @@
           <a:p>
             <a:fld id="{D1BD6D83-ED2E-4BA7-A10B-89AC6C92712D}" type="slidenum">
               <a:rPr lang="en-US" smtClean="0"/>
-              <a:t>‹#›</a:t>
+              <a:t>‹Nº›</a:t>
             </a:fld>
             <a:endParaRPr lang="en-US"/>
           </a:p>
@@ -665,7 +665,7 @@
           <a:p>
             <a:fld id="{B1FD6104-F9B7-48F9-9D06-3B68CBE66B8A}" type="datetimeFigureOut">
               <a:rPr lang="en-US" smtClean="0"/>
-              <a:t>1/21/2021</a:t>
+              <a:t>1/3/2023</a:t>
             </a:fld>
             <a:endParaRPr lang="en-US"/>
           </a:p>
@@ -719,7 +719,7 @@
           <a:p>
             <a:fld id="{D1BD6D83-ED2E-4BA7-A10B-89AC6C92712D}" type="slidenum">
               <a:rPr lang="en-US" smtClean="0"/>
-              <a:t>‹#›</a:t>
+              <a:t>‹Nº›</a:t>
             </a:fld>
             <a:endParaRPr lang="en-US"/>
           </a:p>
@@ -1040,7 +1040,7 @@
           <a:p>
             <a:fld id="{B1FD6104-F9B7-48F9-9D06-3B68CBE66B8A}" type="datetimeFigureOut">
               <a:rPr lang="en-US" smtClean="0"/>
-              <a:t>1/21/2021</a:t>
+              <a:t>1/3/2023</a:t>
             </a:fld>
             <a:endParaRPr lang="en-US"/>
           </a:p>
@@ -1094,7 +1094,7 @@
           <a:p>
             <a:fld id="{D1BD6D83-ED2E-4BA7-A10B-89AC6C92712D}" type="slidenum">
               <a:rPr lang="en-US" smtClean="0"/>
-              <a:t>‹#›</a:t>
+              <a:t>‹Nº›</a:t>
             </a:fld>
             <a:endParaRPr lang="en-US"/>
           </a:p>
@@ -1315,7 +1315,7 @@
           <a:p>
             <a:fld id="{B1FD6104-F9B7-48F9-9D06-3B68CBE66B8A}" type="datetimeFigureOut">
               <a:rPr lang="en-US" smtClean="0"/>
-              <a:t>1/21/2021</a:t>
+              <a:t>1/3/2023</a:t>
             </a:fld>
             <a:endParaRPr lang="en-US"/>
           </a:p>
@@ -1369,7 +1369,7 @@
           <a:p>
             <a:fld id="{D1BD6D83-ED2E-4BA7-A10B-89AC6C92712D}" type="slidenum">
               <a:rPr lang="en-US" smtClean="0"/>
-              <a:t>‹#›</a:t>
+              <a:t>‹Nº›</a:t>
             </a:fld>
             <a:endParaRPr lang="en-US"/>
           </a:p>
@@ -1580,7 +1580,7 @@
           <a:p>
             <a:fld id="{B1FD6104-F9B7-48F9-9D06-3B68CBE66B8A}" type="datetimeFigureOut">
               <a:rPr lang="en-US" smtClean="0"/>
-              <a:t>1/21/2021</a:t>
+              <a:t>1/3/2023</a:t>
             </a:fld>
             <a:endParaRPr lang="en-US"/>
           </a:p>
@@ -1634,7 +1634,7 @@
           <a:p>
             <a:fld id="{D1BD6D83-ED2E-4BA7-A10B-89AC6C92712D}" type="slidenum">
               <a:rPr lang="en-US" smtClean="0"/>
-              <a:t>‹#›</a:t>
+              <a:t>‹Nº›</a:t>
             </a:fld>
             <a:endParaRPr lang="en-US"/>
           </a:p>
@@ -1992,7 +1992,7 @@
           <a:p>
             <a:fld id="{B1FD6104-F9B7-48F9-9D06-3B68CBE66B8A}" type="datetimeFigureOut">
               <a:rPr lang="en-US" smtClean="0"/>
-              <a:t>1/21/2021</a:t>
+              <a:t>1/3/2023</a:t>
             </a:fld>
             <a:endParaRPr lang="en-US"/>
           </a:p>
@@ -2046,7 +2046,7 @@
           <a:p>
             <a:fld id="{D1BD6D83-ED2E-4BA7-A10B-89AC6C92712D}" type="slidenum">
               <a:rPr lang="en-US" smtClean="0"/>
-              <a:t>‹#›</a:t>
+              <a:t>‹Nº›</a:t>
             </a:fld>
             <a:endParaRPr lang="en-US"/>
           </a:p>
@@ -2133,7 +2133,7 @@
           <a:p>
             <a:fld id="{B1FD6104-F9B7-48F9-9D06-3B68CBE66B8A}" type="datetimeFigureOut">
               <a:rPr lang="en-US" smtClean="0"/>
-              <a:t>1/21/2021</a:t>
+              <a:t>1/3/2023</a:t>
             </a:fld>
             <a:endParaRPr lang="en-US"/>
           </a:p>
@@ -2187,7 +2187,7 @@
           <a:p>
             <a:fld id="{D1BD6D83-ED2E-4BA7-A10B-89AC6C92712D}" type="slidenum">
               <a:rPr lang="en-US" smtClean="0"/>
-              <a:t>‹#›</a:t>
+              <a:t>‹Nº›</a:t>
             </a:fld>
             <a:endParaRPr lang="en-US"/>
           </a:p>
@@ -2246,7 +2246,7 @@
           <a:p>
             <a:fld id="{B1FD6104-F9B7-48F9-9D06-3B68CBE66B8A}" type="datetimeFigureOut">
               <a:rPr lang="en-US" smtClean="0"/>
-              <a:t>1/21/2021</a:t>
+              <a:t>1/3/2023</a:t>
             </a:fld>
             <a:endParaRPr lang="en-US"/>
           </a:p>
@@ -2300,7 +2300,7 @@
           <a:p>
             <a:fld id="{D1BD6D83-ED2E-4BA7-A10B-89AC6C92712D}" type="slidenum">
               <a:rPr lang="en-US" smtClean="0"/>
-              <a:t>‹#›</a:t>
+              <a:t>‹Nº›</a:t>
             </a:fld>
             <a:endParaRPr lang="en-US"/>
           </a:p>
@@ -2557,7 +2557,7 @@
           <a:p>
             <a:fld id="{B1FD6104-F9B7-48F9-9D06-3B68CBE66B8A}" type="datetimeFigureOut">
               <a:rPr lang="en-US" smtClean="0"/>
-              <a:t>1/21/2021</a:t>
+              <a:t>1/3/2023</a:t>
             </a:fld>
             <a:endParaRPr lang="en-US"/>
           </a:p>
@@ -2611,7 +2611,7 @@
           <a:p>
             <a:fld id="{D1BD6D83-ED2E-4BA7-A10B-89AC6C92712D}" type="slidenum">
               <a:rPr lang="en-US" smtClean="0"/>
-              <a:t>‹#›</a:t>
+              <a:t>‹Nº›</a:t>
             </a:fld>
             <a:endParaRPr lang="en-US"/>
           </a:p>
@@ -2845,7 +2845,7 @@
           <a:p>
             <a:fld id="{B1FD6104-F9B7-48F9-9D06-3B68CBE66B8A}" type="datetimeFigureOut">
               <a:rPr lang="en-US" smtClean="0"/>
-              <a:t>1/21/2021</a:t>
+              <a:t>1/3/2023</a:t>
             </a:fld>
             <a:endParaRPr lang="en-US"/>
           </a:p>
@@ -2899,7 +2899,7 @@
           <a:p>
             <a:fld id="{D1BD6D83-ED2E-4BA7-A10B-89AC6C92712D}" type="slidenum">
               <a:rPr lang="en-US" smtClean="0"/>
-              <a:t>‹#›</a:t>
+              <a:t>‹Nº›</a:t>
             </a:fld>
             <a:endParaRPr lang="en-US"/>
           </a:p>
@@ -3086,7 +3086,7 @@
           <a:p>
             <a:fld id="{B1FD6104-F9B7-48F9-9D06-3B68CBE66B8A}" type="datetimeFigureOut">
               <a:rPr lang="en-US" smtClean="0"/>
-              <a:t>1/21/2021</a:t>
+              <a:t>1/3/2023</a:t>
             </a:fld>
             <a:endParaRPr lang="en-US"/>
           </a:p>
@@ -3176,7 +3176,7 @@
           <a:p>
             <a:fld id="{D1BD6D83-ED2E-4BA7-A10B-89AC6C92712D}" type="slidenum">
               <a:rPr lang="en-US" smtClean="0"/>
-              <a:t>‹#›</a:t>
+              <a:t>‹Nº›</a:t>
             </a:fld>
             <a:endParaRPr lang="en-US"/>
           </a:p>
@@ -3518,7 +3518,7 @@
         </p:nvSpPr>
         <p:spPr bwMode="auto">
           <a:xfrm>
-            <a:off x="3352800" y="863265"/>
+            <a:off x="3346843" y="803720"/>
             <a:ext cx="5486400" cy="5486400"/>
           </a:xfrm>
           <a:prstGeom prst="ellipse">
@@ -4348,10 +4348,10 @@
         </p:nvGrpSpPr>
         <p:grpSpPr>
           <a:xfrm>
-            <a:off x="5357947" y="2442664"/>
-            <a:ext cx="3239282" cy="1611921"/>
-            <a:chOff x="4606693" y="4304328"/>
-            <a:chExt cx="3239282" cy="1611921"/>
+            <a:off x="5357947" y="2810211"/>
+            <a:ext cx="3239282" cy="1244374"/>
+            <a:chOff x="4606693" y="4671875"/>
+            <a:chExt cx="3239282" cy="1244374"/>
           </a:xfrm>
         </p:grpSpPr>
         <p:sp>
@@ -4442,102 +4442,6 @@
                 <a:ea typeface="+mn-ea"/>
                 <a:cs typeface="Segoe UI" pitchFamily="34" charset="0"/>
               </a:endParaRPr>
-            </a:p>
-          </p:txBody>
-        </p:sp>
-        <p:sp>
-          <p:nvSpPr>
-            <p:cNvPr id="21" name="Title 1">
-              <a:extLst>
-                <a:ext uri="{FF2B5EF4-FFF2-40B4-BE49-F238E27FC236}">
-                  <a16:creationId xmlns:a16="http://schemas.microsoft.com/office/drawing/2014/main" id="{2AAE444D-60D4-8B41-B1F9-13B720DD5BE9}"/>
-                </a:ext>
-              </a:extLst>
-            </p:cNvPr>
-            <p:cNvSpPr txBox="1">
-              <a:spLocks/>
-            </p:cNvSpPr>
-            <p:nvPr/>
-          </p:nvSpPr>
-          <p:spPr>
-            <a:xfrm>
-              <a:off x="5657074" y="4304328"/>
-              <a:ext cx="1138520" cy="276999"/>
-            </a:xfrm>
-            <a:prstGeom prst="rect">
-              <a:avLst/>
-            </a:prstGeom>
-          </p:spPr>
-          <p:txBody>
-            <a:bodyPr vert="horz" wrap="square" lIns="0" tIns="0" rIns="0" bIns="0" rtlCol="0" anchor="b">
-              <a:spAutoFit/>
-            </a:bodyPr>
-            <a:lstStyle>
-              <a:lvl1pPr algn="l" defTabSz="932742" rtl="0" eaLnBrk="1" latinLnBrk="0" hangingPunct="1">
-                <a:lnSpc>
-                  <a:spcPct val="90000"/>
-                </a:lnSpc>
-                <a:spcBef>
-                  <a:spcPct val="0"/>
-                </a:spcBef>
-                <a:buNone/>
-                <a:defRPr lang="en-US" sz="5400" b="0" kern="1200" cap="none" spc="-102" baseline="0">
-                  <a:ln w="3175">
-                    <a:noFill/>
-                  </a:ln>
-                  <a:gradFill>
-                    <a:gsLst>
-                      <a:gs pos="2655">
-                        <a:schemeClr val="tx1"/>
-                      </a:gs>
-                      <a:gs pos="31000">
-                        <a:schemeClr val="tx1"/>
-                      </a:gs>
-                    </a:gsLst>
-                    <a:lin ang="5400000" scaled="0"/>
-                  </a:gradFill>
-                  <a:effectLst/>
-                  <a:latin typeface="+mj-lt"/>
-                  <a:ea typeface="+mn-ea"/>
-                  <a:cs typeface="Segoe UI" pitchFamily="34" charset="0"/>
-                </a:defRPr>
-              </a:lvl1pPr>
-            </a:lstStyle>
-            <a:p>
-              <a:pPr marL="0" marR="0" lvl="0" indent="0" algn="ctr" defTabSz="914367" rtl="0" eaLnBrk="1" fontAlgn="auto" latinLnBrk="0" hangingPunct="1">
-                <a:lnSpc>
-                  <a:spcPct val="100000"/>
-                </a:lnSpc>
-                <a:spcBef>
-                  <a:spcPct val="0"/>
-                </a:spcBef>
-                <a:spcAft>
-                  <a:spcPts val="0"/>
-                </a:spcAft>
-                <a:buClrTx/>
-                <a:buSzTx/>
-                <a:buFontTx/>
-                <a:buNone/>
-                <a:tabLst/>
-                <a:defRPr/>
-              </a:pPr>
-              <a:r>
-                <a:rPr kumimoji="0" lang="en-US" sz="1800" b="0" i="0" u="none" strike="noStrike" kern="1200" cap="none" spc="0" normalizeH="0" baseline="0" noProof="0" dirty="0">
-                  <a:ln w="3175">
-                    <a:noFill/>
-                  </a:ln>
-                  <a:solidFill>
-                    <a:srgbClr val="000000"/>
-                  </a:solidFill>
-                  <a:effectLst/>
-                  <a:uLnTx/>
-                  <a:uFillTx/>
-                  <a:latin typeface="Segoe UI Semibold" panose="020B0702040204020203" pitchFamily="34" charset="0"/>
-                  <a:ea typeface="+mn-ea"/>
-                  <a:cs typeface="Segoe UI Semibold" panose="020B0702040204020203" pitchFamily="34" charset="0"/>
-                </a:rPr>
-                <a:t>KEDA</a:t>
-              </a:r>
             </a:p>
           </p:txBody>
         </p:sp>
@@ -6786,6 +6690,350 @@
           </a:fontRef>
         </p:style>
       </p:cxnSp>
+      <p:cxnSp>
+        <p:nvCxnSpPr>
+          <p:cNvPr id="2" name="Straight Arrow Connector 24">
+            <a:extLst>
+              <a:ext uri="{FF2B5EF4-FFF2-40B4-BE49-F238E27FC236}">
+                <a16:creationId xmlns:a16="http://schemas.microsoft.com/office/drawing/2014/main" id="{FCF68BCA-521D-B389-A760-CFADD5618D57}"/>
+              </a:ext>
+            </a:extLst>
+          </p:cNvPr>
+          <p:cNvCxnSpPr>
+            <a:cxnSpLocks/>
+            <a:stCxn id="18" idx="4"/>
+          </p:cNvCxnSpPr>
+          <p:nvPr/>
+        </p:nvCxnSpPr>
+        <p:spPr>
+          <a:xfrm flipV="1">
+            <a:off x="6800661" y="1836738"/>
+            <a:ext cx="590860" cy="1"/>
+          </a:xfrm>
+          <a:prstGeom prst="straightConnector1">
+            <a:avLst/>
+          </a:prstGeom>
+          <a:ln w="19050">
+            <a:solidFill>
+              <a:srgbClr val="0099CC"/>
+            </a:solidFill>
+            <a:headEnd type="none"/>
+            <a:tailEnd type="triangle"/>
+          </a:ln>
+        </p:spPr>
+        <p:style>
+          <a:lnRef idx="1">
+            <a:schemeClr val="accent1"/>
+          </a:lnRef>
+          <a:fillRef idx="0">
+            <a:schemeClr val="accent1"/>
+          </a:fillRef>
+          <a:effectRef idx="0">
+            <a:schemeClr val="accent1"/>
+          </a:effectRef>
+          <a:fontRef idx="minor">
+            <a:schemeClr val="tx1"/>
+          </a:fontRef>
+        </p:style>
+      </p:cxnSp>
+      <p:sp>
+        <p:nvSpPr>
+          <p:cNvPr id="3" name="Rectangle: Rounded Corners 118">
+            <a:extLst>
+              <a:ext uri="{FF2B5EF4-FFF2-40B4-BE49-F238E27FC236}">
+                <a16:creationId xmlns:a16="http://schemas.microsoft.com/office/drawing/2014/main" id="{1BB27DA8-EA9D-7237-2A39-BC7064F01D90}"/>
+              </a:ext>
+            </a:extLst>
+          </p:cNvPr>
+          <p:cNvSpPr/>
+          <p:nvPr/>
+        </p:nvSpPr>
+        <p:spPr bwMode="auto">
+          <a:xfrm>
+            <a:off x="7391521" y="1355922"/>
+            <a:ext cx="1205708" cy="1029456"/>
+          </a:xfrm>
+          <a:prstGeom prst="roundRect">
+            <a:avLst>
+              <a:gd name="adj" fmla="val 3125"/>
+            </a:avLst>
+          </a:prstGeom>
+          <a:solidFill>
+            <a:srgbClr val="FCFDFE"/>
+          </a:solidFill>
+          <a:ln w="25400">
+            <a:solidFill>
+              <a:srgbClr val="0F78D4"/>
+            </a:solidFill>
+            <a:headEnd type="none" w="med" len="med"/>
+            <a:tailEnd type="none" w="med" len="med"/>
+          </a:ln>
+          <a:effectLst/>
+        </p:spPr>
+        <p:style>
+          <a:lnRef idx="1">
+            <a:schemeClr val="accent2"/>
+          </a:lnRef>
+          <a:fillRef idx="3">
+            <a:schemeClr val="accent2"/>
+          </a:fillRef>
+          <a:effectRef idx="2">
+            <a:schemeClr val="accent2"/>
+          </a:effectRef>
+          <a:fontRef idx="minor">
+            <a:schemeClr val="lt1"/>
+          </a:fontRef>
+        </p:style>
+        <p:txBody>
+          <a:bodyPr rot="0" spcFirstLastPara="0" vertOverflow="overflow" horzOverflow="overflow" vert="horz" wrap="square" lIns="179285" tIns="143428" rIns="179285" bIns="143428" numCol="1" spcCol="0" rtlCol="0" fromWordArt="0" anchor="ctr" anchorCtr="0" forceAA="0" compatLnSpc="1">
+            <a:prstTxWarp prst="textNoShape">
+              <a:avLst/>
+            </a:prstTxWarp>
+            <a:noAutofit/>
+          </a:bodyPr>
+          <a:lstStyle/>
+          <a:p>
+            <a:pPr marL="0" marR="0" lvl="0" indent="0" algn="ctr" defTabSz="914102" rtl="0" eaLnBrk="1" fontAlgn="base" latinLnBrk="0" hangingPunct="1">
+              <a:lnSpc>
+                <a:spcPct val="90000"/>
+              </a:lnSpc>
+              <a:spcBef>
+                <a:spcPct val="0"/>
+              </a:spcBef>
+              <a:spcAft>
+                <a:spcPct val="0"/>
+              </a:spcAft>
+              <a:buClrTx/>
+              <a:buSzTx/>
+              <a:buFontTx/>
+              <a:buNone/>
+              <a:tabLst/>
+              <a:defRPr/>
+            </a:pPr>
+            <a:endParaRPr kumimoji="0" lang="en-US" sz="1176" b="0" i="0" u="none" strike="noStrike" kern="1200" cap="none" spc="0" normalizeH="0" baseline="0" noProof="0" dirty="0">
+              <a:ln>
+                <a:noFill/>
+              </a:ln>
+              <a:solidFill>
+                <a:srgbClr val="3C3C41"/>
+              </a:solidFill>
+              <a:effectLst/>
+              <a:uLnTx/>
+              <a:uFillTx/>
+              <a:latin typeface="Segoe UI"/>
+              <a:ea typeface="+mn-ea"/>
+              <a:cs typeface="Segoe UI" pitchFamily="34" charset="0"/>
+            </a:endParaRPr>
+          </a:p>
+        </p:txBody>
+      </p:sp>
+      <p:sp>
+        <p:nvSpPr>
+          <p:cNvPr id="50" name="Rectangle: Rounded Corners 118">
+            <a:extLst>
+              <a:ext uri="{FF2B5EF4-FFF2-40B4-BE49-F238E27FC236}">
+                <a16:creationId xmlns:a16="http://schemas.microsoft.com/office/drawing/2014/main" id="{B36ED1A5-56ED-A665-1C3A-9E903F4ED445}"/>
+              </a:ext>
+            </a:extLst>
+          </p:cNvPr>
+          <p:cNvSpPr/>
+          <p:nvPr/>
+        </p:nvSpPr>
+        <p:spPr bwMode="auto">
+          <a:xfrm>
+            <a:off x="7478937" y="1608138"/>
+            <a:ext cx="1044862" cy="488446"/>
+          </a:xfrm>
+          <a:prstGeom prst="roundRect">
+            <a:avLst>
+              <a:gd name="adj" fmla="val 3125"/>
+            </a:avLst>
+          </a:prstGeom>
+          <a:solidFill>
+            <a:srgbClr val="FCFDFE"/>
+          </a:solidFill>
+          <a:ln w="12700">
+            <a:solidFill>
+              <a:srgbClr val="0F78D4"/>
+            </a:solidFill>
+            <a:headEnd type="none" w="med" len="med"/>
+            <a:tailEnd type="none" w="med" len="med"/>
+          </a:ln>
+          <a:effectLst/>
+        </p:spPr>
+        <p:style>
+          <a:lnRef idx="1">
+            <a:schemeClr val="accent2"/>
+          </a:lnRef>
+          <a:fillRef idx="3">
+            <a:schemeClr val="accent2"/>
+          </a:fillRef>
+          <a:effectRef idx="2">
+            <a:schemeClr val="accent2"/>
+          </a:effectRef>
+          <a:fontRef idx="minor">
+            <a:schemeClr val="lt1"/>
+          </a:fontRef>
+        </p:style>
+        <p:txBody>
+          <a:bodyPr rot="0" spcFirstLastPara="0" vertOverflow="overflow" horzOverflow="overflow" vert="horz" wrap="square" lIns="180000" tIns="108000" rIns="179285" bIns="143428" numCol="1" spcCol="0" rtlCol="0" fromWordArt="0" anchor="t" anchorCtr="0" forceAA="0" compatLnSpc="1">
+            <a:prstTxWarp prst="textNoShape">
+              <a:avLst/>
+            </a:prstTxWarp>
+            <a:noAutofit/>
+          </a:bodyPr>
+          <a:lstStyle/>
+          <a:p>
+            <a:pPr algn="ctr" defTabSz="914102" fontAlgn="base">
+              <a:lnSpc>
+                <a:spcPct val="90000"/>
+              </a:lnSpc>
+              <a:spcBef>
+                <a:spcPct val="0"/>
+              </a:spcBef>
+              <a:spcAft>
+                <a:spcPct val="0"/>
+              </a:spcAft>
+            </a:pPr>
+            <a:r>
+              <a:rPr kumimoji="0" lang="en-US" sz="1050" b="0" i="0" u="none" strike="noStrike" kern="1200" cap="none" spc="0" normalizeH="0" baseline="0" noProof="0" dirty="0">
+                <a:ln>
+                  <a:noFill/>
+                </a:ln>
+                <a:solidFill>
+                  <a:srgbClr val="3C3C41"/>
+                </a:solidFill>
+                <a:effectLst/>
+                <a:uLnTx/>
+                <a:uFillTx/>
+                <a:latin typeface="Segoe UI"/>
+                <a:ea typeface="+mn-ea"/>
+                <a:cs typeface="Segoe UI" pitchFamily="34" charset="0"/>
+              </a:rPr>
+              <a:t>Validating Webhooks</a:t>
+            </a:r>
+          </a:p>
+          <a:p>
+            <a:pPr algn="ctr" defTabSz="914102" fontAlgn="base">
+              <a:lnSpc>
+                <a:spcPct val="90000"/>
+              </a:lnSpc>
+              <a:spcBef>
+                <a:spcPct val="0"/>
+              </a:spcBef>
+              <a:spcAft>
+                <a:spcPct val="0"/>
+              </a:spcAft>
+            </a:pPr>
+            <a:endParaRPr lang="en-US" sz="1176" dirty="0">
+              <a:solidFill>
+                <a:srgbClr val="3C3C41"/>
+              </a:solidFill>
+              <a:latin typeface="Segoe UI"/>
+              <a:cs typeface="Segoe UI" pitchFamily="34" charset="0"/>
+            </a:endParaRPr>
+          </a:p>
+        </p:txBody>
+      </p:sp>
+      <p:sp>
+        <p:nvSpPr>
+          <p:cNvPr id="53" name="Title 1">
+            <a:extLst>
+              <a:ext uri="{FF2B5EF4-FFF2-40B4-BE49-F238E27FC236}">
+                <a16:creationId xmlns:a16="http://schemas.microsoft.com/office/drawing/2014/main" id="{A948B747-BBC9-6EFE-51A0-DEC3DBF39D9D}"/>
+              </a:ext>
+            </a:extLst>
+          </p:cNvPr>
+          <p:cNvSpPr txBox="1">
+            <a:spLocks/>
+          </p:cNvSpPr>
+          <p:nvPr/>
+        </p:nvSpPr>
+        <p:spPr>
+          <a:xfrm>
+            <a:off x="7440655" y="2410730"/>
+            <a:ext cx="1097280" cy="369332"/>
+          </a:xfrm>
+          <a:prstGeom prst="rect">
+            <a:avLst/>
+          </a:prstGeom>
+          <a:solidFill>
+            <a:schemeClr val="bg1"/>
+          </a:solidFill>
+        </p:spPr>
+        <p:txBody>
+          <a:bodyPr vert="horz" wrap="square" lIns="0" tIns="0" rIns="0" bIns="0" rtlCol="0" anchor="b">
+            <a:spAutoFit/>
+          </a:bodyPr>
+          <a:lstStyle>
+            <a:lvl1pPr algn="l" defTabSz="932742" rtl="0" eaLnBrk="1" latinLnBrk="0" hangingPunct="1">
+              <a:lnSpc>
+                <a:spcPct val="90000"/>
+              </a:lnSpc>
+              <a:spcBef>
+                <a:spcPct val="0"/>
+              </a:spcBef>
+              <a:buNone/>
+              <a:defRPr lang="en-US" sz="5400" b="0" kern="1200" cap="none" spc="-102" baseline="0">
+                <a:ln w="3175">
+                  <a:noFill/>
+                </a:ln>
+                <a:gradFill>
+                  <a:gsLst>
+                    <a:gs pos="2655">
+                      <a:schemeClr val="tx1"/>
+                    </a:gs>
+                    <a:gs pos="31000">
+                      <a:schemeClr val="tx1"/>
+                    </a:gs>
+                  </a:gsLst>
+                  <a:lin ang="5400000" scaled="0"/>
+                </a:gradFill>
+                <a:effectLst/>
+                <a:latin typeface="+mj-lt"/>
+                <a:ea typeface="+mn-ea"/>
+                <a:cs typeface="Segoe UI" pitchFamily="34" charset="0"/>
+              </a:defRPr>
+            </a:lvl1pPr>
+          </a:lstStyle>
+          <a:p>
+            <a:pPr marL="0" marR="0" lvl="0" indent="0" algn="ctr" defTabSz="914367" rtl="0" eaLnBrk="1" fontAlgn="auto" latinLnBrk="0" hangingPunct="1">
+              <a:lnSpc>
+                <a:spcPct val="100000"/>
+              </a:lnSpc>
+              <a:spcBef>
+                <a:spcPct val="0"/>
+              </a:spcBef>
+              <a:spcAft>
+                <a:spcPts val="0"/>
+              </a:spcAft>
+              <a:buClrTx/>
+              <a:buSzTx/>
+              <a:buFontTx/>
+              <a:buNone/>
+              <a:tabLst/>
+              <a:defRPr/>
+            </a:pPr>
+            <a:r>
+              <a:rPr kumimoji="0" lang="en-US" sz="2400" b="0" i="0" u="none" strike="noStrike" kern="1200" cap="none" spc="0" normalizeH="0" baseline="0" noProof="0" dirty="0">
+                <a:ln w="3175">
+                  <a:noFill/>
+                </a:ln>
+                <a:solidFill>
+                  <a:srgbClr val="000000"/>
+                </a:solidFill>
+                <a:effectLst/>
+                <a:uLnTx/>
+                <a:uFillTx/>
+                <a:latin typeface="Segoe UI Semibold" panose="020B0702040204020203" pitchFamily="34" charset="0"/>
+                <a:ea typeface="+mn-ea"/>
+                <a:cs typeface="Segoe UI Semibold" panose="020B0702040204020203" pitchFamily="34" charset="0"/>
+              </a:rPr>
+              <a:t>KEDA</a:t>
+            </a:r>
+          </a:p>
+        </p:txBody>
+      </p:sp>
     </p:spTree>
     <p:extLst>
       <p:ext uri="{BB962C8B-B14F-4D97-AF65-F5344CB8AC3E}">

--- a/images/keda-architecture.pptx
+++ b/images/keda-architecture.pptx
@@ -6910,7 +6910,7 @@
                 <a:ea typeface="+mn-ea"/>
                 <a:cs typeface="Segoe UI" pitchFamily="34" charset="0"/>
               </a:rPr>
-              <a:t>Validating Webhooks</a:t>
+              <a:t>Admission Webhooks</a:t>
             </a:r>
           </a:p>
           <a:p>

--- a/images/keda-architecture.pptx
+++ b/images/keda-architecture.pptx
@@ -259,7 +259,7 @@
           <a:p>
             <a:fld id="{B1FD6104-F9B7-48F9-9D06-3B68CBE66B8A}" type="datetimeFigureOut">
               <a:rPr lang="en-US" smtClean="0"/>
-              <a:t>1/3/2023</a:t>
+              <a:t>1/6/23</a:t>
             </a:fld>
             <a:endParaRPr lang="en-US"/>
           </a:p>
@@ -313,7 +313,7 @@
           <a:p>
             <a:fld id="{D1BD6D83-ED2E-4BA7-A10B-89AC6C92712D}" type="slidenum">
               <a:rPr lang="en-US" smtClean="0"/>
-              <a:t>‹Nº›</a:t>
+              <a:t>‹#›</a:t>
             </a:fld>
             <a:endParaRPr lang="en-US"/>
           </a:p>
@@ -457,7 +457,7 @@
           <a:p>
             <a:fld id="{B1FD6104-F9B7-48F9-9D06-3B68CBE66B8A}" type="datetimeFigureOut">
               <a:rPr lang="en-US" smtClean="0"/>
-              <a:t>1/3/2023</a:t>
+              <a:t>1/6/23</a:t>
             </a:fld>
             <a:endParaRPr lang="en-US"/>
           </a:p>
@@ -511,7 +511,7 @@
           <a:p>
             <a:fld id="{D1BD6D83-ED2E-4BA7-A10B-89AC6C92712D}" type="slidenum">
               <a:rPr lang="en-US" smtClean="0"/>
-              <a:t>‹Nº›</a:t>
+              <a:t>‹#›</a:t>
             </a:fld>
             <a:endParaRPr lang="en-US"/>
           </a:p>
@@ -665,7 +665,7 @@
           <a:p>
             <a:fld id="{B1FD6104-F9B7-48F9-9D06-3B68CBE66B8A}" type="datetimeFigureOut">
               <a:rPr lang="en-US" smtClean="0"/>
-              <a:t>1/3/2023</a:t>
+              <a:t>1/6/23</a:t>
             </a:fld>
             <a:endParaRPr lang="en-US"/>
           </a:p>
@@ -719,7 +719,7 @@
           <a:p>
             <a:fld id="{D1BD6D83-ED2E-4BA7-A10B-89AC6C92712D}" type="slidenum">
               <a:rPr lang="en-US" smtClean="0"/>
-              <a:t>‹Nº›</a:t>
+              <a:t>‹#›</a:t>
             </a:fld>
             <a:endParaRPr lang="en-US"/>
           </a:p>
@@ -1040,7 +1040,7 @@
           <a:p>
             <a:fld id="{B1FD6104-F9B7-48F9-9D06-3B68CBE66B8A}" type="datetimeFigureOut">
               <a:rPr lang="en-US" smtClean="0"/>
-              <a:t>1/3/2023</a:t>
+              <a:t>1/6/23</a:t>
             </a:fld>
             <a:endParaRPr lang="en-US"/>
           </a:p>
@@ -1094,7 +1094,7 @@
           <a:p>
             <a:fld id="{D1BD6D83-ED2E-4BA7-A10B-89AC6C92712D}" type="slidenum">
               <a:rPr lang="en-US" smtClean="0"/>
-              <a:t>‹Nº›</a:t>
+              <a:t>‹#›</a:t>
             </a:fld>
             <a:endParaRPr lang="en-US"/>
           </a:p>
@@ -1315,7 +1315,7 @@
           <a:p>
             <a:fld id="{B1FD6104-F9B7-48F9-9D06-3B68CBE66B8A}" type="datetimeFigureOut">
               <a:rPr lang="en-US" smtClean="0"/>
-              <a:t>1/3/2023</a:t>
+              <a:t>1/6/23</a:t>
             </a:fld>
             <a:endParaRPr lang="en-US"/>
           </a:p>
@@ -1369,7 +1369,7 @@
           <a:p>
             <a:fld id="{D1BD6D83-ED2E-4BA7-A10B-89AC6C92712D}" type="slidenum">
               <a:rPr lang="en-US" smtClean="0"/>
-              <a:t>‹Nº›</a:t>
+              <a:t>‹#›</a:t>
             </a:fld>
             <a:endParaRPr lang="en-US"/>
           </a:p>
@@ -1580,7 +1580,7 @@
           <a:p>
             <a:fld id="{B1FD6104-F9B7-48F9-9D06-3B68CBE66B8A}" type="datetimeFigureOut">
               <a:rPr lang="en-US" smtClean="0"/>
-              <a:t>1/3/2023</a:t>
+              <a:t>1/6/23</a:t>
             </a:fld>
             <a:endParaRPr lang="en-US"/>
           </a:p>
@@ -1634,7 +1634,7 @@
           <a:p>
             <a:fld id="{D1BD6D83-ED2E-4BA7-A10B-89AC6C92712D}" type="slidenum">
               <a:rPr lang="en-US" smtClean="0"/>
-              <a:t>‹Nº›</a:t>
+              <a:t>‹#›</a:t>
             </a:fld>
             <a:endParaRPr lang="en-US"/>
           </a:p>
@@ -1992,7 +1992,7 @@
           <a:p>
             <a:fld id="{B1FD6104-F9B7-48F9-9D06-3B68CBE66B8A}" type="datetimeFigureOut">
               <a:rPr lang="en-US" smtClean="0"/>
-              <a:t>1/3/2023</a:t>
+              <a:t>1/6/23</a:t>
             </a:fld>
             <a:endParaRPr lang="en-US"/>
           </a:p>
@@ -2046,7 +2046,7 @@
           <a:p>
             <a:fld id="{D1BD6D83-ED2E-4BA7-A10B-89AC6C92712D}" type="slidenum">
               <a:rPr lang="en-US" smtClean="0"/>
-              <a:t>‹Nº›</a:t>
+              <a:t>‹#›</a:t>
             </a:fld>
             <a:endParaRPr lang="en-US"/>
           </a:p>
@@ -2133,7 +2133,7 @@
           <a:p>
             <a:fld id="{B1FD6104-F9B7-48F9-9D06-3B68CBE66B8A}" type="datetimeFigureOut">
               <a:rPr lang="en-US" smtClean="0"/>
-              <a:t>1/3/2023</a:t>
+              <a:t>1/6/23</a:t>
             </a:fld>
             <a:endParaRPr lang="en-US"/>
           </a:p>
@@ -2187,7 +2187,7 @@
           <a:p>
             <a:fld id="{D1BD6D83-ED2E-4BA7-A10B-89AC6C92712D}" type="slidenum">
               <a:rPr lang="en-US" smtClean="0"/>
-              <a:t>‹Nº›</a:t>
+              <a:t>‹#›</a:t>
             </a:fld>
             <a:endParaRPr lang="en-US"/>
           </a:p>
@@ -2246,7 +2246,7 @@
           <a:p>
             <a:fld id="{B1FD6104-F9B7-48F9-9D06-3B68CBE66B8A}" type="datetimeFigureOut">
               <a:rPr lang="en-US" smtClean="0"/>
-              <a:t>1/3/2023</a:t>
+              <a:t>1/6/23</a:t>
             </a:fld>
             <a:endParaRPr lang="en-US"/>
           </a:p>
@@ -2300,7 +2300,7 @@
           <a:p>
             <a:fld id="{D1BD6D83-ED2E-4BA7-A10B-89AC6C92712D}" type="slidenum">
               <a:rPr lang="en-US" smtClean="0"/>
-              <a:t>‹Nº›</a:t>
+              <a:t>‹#›</a:t>
             </a:fld>
             <a:endParaRPr lang="en-US"/>
           </a:p>
@@ -2557,7 +2557,7 @@
           <a:p>
             <a:fld id="{B1FD6104-F9B7-48F9-9D06-3B68CBE66B8A}" type="datetimeFigureOut">
               <a:rPr lang="en-US" smtClean="0"/>
-              <a:t>1/3/2023</a:t>
+              <a:t>1/6/23</a:t>
             </a:fld>
             <a:endParaRPr lang="en-US"/>
           </a:p>
@@ -2611,7 +2611,7 @@
           <a:p>
             <a:fld id="{D1BD6D83-ED2E-4BA7-A10B-89AC6C92712D}" type="slidenum">
               <a:rPr lang="en-US" smtClean="0"/>
-              <a:t>‹Nº›</a:t>
+              <a:t>‹#›</a:t>
             </a:fld>
             <a:endParaRPr lang="en-US"/>
           </a:p>
@@ -2845,7 +2845,7 @@
           <a:p>
             <a:fld id="{B1FD6104-F9B7-48F9-9D06-3B68CBE66B8A}" type="datetimeFigureOut">
               <a:rPr lang="en-US" smtClean="0"/>
-              <a:t>1/3/2023</a:t>
+              <a:t>1/6/23</a:t>
             </a:fld>
             <a:endParaRPr lang="en-US"/>
           </a:p>
@@ -2899,7 +2899,7 @@
           <a:p>
             <a:fld id="{D1BD6D83-ED2E-4BA7-A10B-89AC6C92712D}" type="slidenum">
               <a:rPr lang="en-US" smtClean="0"/>
-              <a:t>‹Nº›</a:t>
+              <a:t>‹#›</a:t>
             </a:fld>
             <a:endParaRPr lang="en-US"/>
           </a:p>
@@ -3086,7 +3086,7 @@
           <a:p>
             <a:fld id="{B1FD6104-F9B7-48F9-9D06-3B68CBE66B8A}" type="datetimeFigureOut">
               <a:rPr lang="en-US" smtClean="0"/>
-              <a:t>1/3/2023</a:t>
+              <a:t>1/6/23</a:t>
             </a:fld>
             <a:endParaRPr lang="en-US"/>
           </a:p>
@@ -3176,7 +3176,7 @@
           <a:p>
             <a:fld id="{D1BD6D83-ED2E-4BA7-A10B-89AC6C92712D}" type="slidenum">
               <a:rPr lang="en-US" smtClean="0"/>
-              <a:t>‹Nº›</a:t>
+              <a:t>‹#›</a:t>
             </a:fld>
             <a:endParaRPr lang="en-US"/>
           </a:p>
@@ -4243,7 +4243,7 @@
         </p:nvSpPr>
         <p:spPr bwMode="auto">
           <a:xfrm>
-            <a:off x="5379425" y="1459708"/>
+            <a:off x="5745185" y="1459708"/>
             <a:ext cx="1421236" cy="754061"/>
           </a:xfrm>
           <a:prstGeom prst="can">
@@ -4348,10 +4348,10 @@
         </p:nvGrpSpPr>
         <p:grpSpPr>
           <a:xfrm>
-            <a:off x="5357947" y="2810211"/>
-            <a:ext cx="3239282" cy="1244374"/>
+            <a:off x="5175067" y="2810211"/>
+            <a:ext cx="4325970" cy="1244374"/>
             <a:chOff x="4606693" y="4671875"/>
-            <a:chExt cx="3239282" cy="1244374"/>
+            <a:chExt cx="4325970" cy="1244374"/>
           </a:xfrm>
         </p:grpSpPr>
         <p:sp>
@@ -4369,7 +4369,7 @@
           <p:spPr bwMode="auto">
             <a:xfrm>
               <a:off x="4606693" y="4671875"/>
-              <a:ext cx="3239282" cy="1244374"/>
+              <a:ext cx="4325970" cy="1244374"/>
             </a:xfrm>
             <a:prstGeom prst="roundRect">
               <a:avLst>
@@ -4428,7 +4428,7 @@
                 <a:tabLst/>
                 <a:defRPr/>
               </a:pPr>
-              <a:endParaRPr kumimoji="0" lang="en-US" sz="1176" b="0" i="0" u="none" strike="noStrike" kern="1200" cap="none" spc="0" normalizeH="0" baseline="0" noProof="0">
+              <a:endParaRPr kumimoji="0" lang="en-US" sz="1176" b="0" i="0" u="none" strike="noStrike" kern="1200" cap="none" spc="0" normalizeH="0" baseline="0" noProof="0" dirty="0">
                 <a:ln>
                   <a:noFill/>
                 </a:ln>
@@ -4540,7 +4540,7 @@
           </p:nvSpPr>
           <p:spPr bwMode="auto">
             <a:xfrm>
-              <a:off x="6828582" y="5030333"/>
+              <a:off x="6818486" y="5030333"/>
               <a:ext cx="914400" cy="548640"/>
             </a:xfrm>
             <a:prstGeom prst="roundRect">
@@ -4699,14 +4699,16 @@
             </a:extLst>
           </p:cNvPr>
           <p:cNvCxnSpPr>
+            <a:cxnSpLocks/>
             <a:stCxn id="29" idx="6"/>
+            <a:endCxn id="18" idx="2"/>
           </p:cNvCxnSpPr>
           <p:nvPr/>
         </p:nvCxnSpPr>
         <p:spPr>
           <a:xfrm>
             <a:off x="4504295" y="1836738"/>
-            <a:ext cx="875130" cy="0"/>
+            <a:ext cx="1240890" cy="1"/>
           </a:xfrm>
           <a:prstGeom prst="straightConnector1">
             <a:avLst/>
@@ -4750,7 +4752,7 @@
         </p:nvCxnSpPr>
         <p:spPr>
           <a:xfrm>
-            <a:off x="6090043" y="2213769"/>
+            <a:off x="6455803" y="2213769"/>
             <a:ext cx="5957" cy="596442"/>
           </a:xfrm>
           <a:prstGeom prst="straightConnector1">
@@ -4798,7 +4800,7 @@
         <p:spPr>
           <a:xfrm flipH="1">
             <a:off x="4745302" y="3432398"/>
-            <a:ext cx="612645" cy="2823"/>
+            <a:ext cx="429765" cy="2823"/>
           </a:xfrm>
           <a:prstGeom prst="straightConnector1">
             <a:avLst/>
@@ -5894,17 +5896,21 @@
             </a:extLst>
           </p:cNvPr>
           <p:cNvCxnSpPr>
+            <a:cxnSpLocks/>
             <a:stCxn id="20" idx="2"/>
+            <a:endCxn id="11" idx="0"/>
           </p:cNvCxnSpPr>
           <p:nvPr/>
         </p:nvCxnSpPr>
         <p:spPr>
           <a:xfrm rot="5400000">
-            <a:off x="6029611" y="4067456"/>
-            <a:ext cx="960848" cy="935107"/>
+            <a:off x="6209843" y="3887224"/>
+            <a:ext cx="960848" cy="1295571"/>
           </a:xfrm>
           <a:prstGeom prst="bentConnector3">
-            <a:avLst/>
+            <a:avLst>
+              <a:gd name="adj1" fmla="val 50000"/>
+            </a:avLst>
           </a:prstGeom>
           <a:ln w="25400">
             <a:solidFill>
@@ -5942,14 +5948,15 @@
             </a:extLst>
           </p:cNvPr>
           <p:cNvCxnSpPr>
+            <a:cxnSpLocks/>
             <a:stCxn id="17" idx="2"/>
           </p:cNvCxnSpPr>
           <p:nvPr/>
         </p:nvCxnSpPr>
         <p:spPr>
           <a:xfrm rot="16200000" flipH="1">
-            <a:off x="4715801" y="3208329"/>
-            <a:ext cx="757914" cy="1895446"/>
+            <a:off x="4712899" y="3211230"/>
+            <a:ext cx="754047" cy="1885775"/>
           </a:xfrm>
           <a:prstGeom prst="bentConnector2">
             <a:avLst/>
@@ -6690,58 +6697,12 @@
           </a:fontRef>
         </p:style>
       </p:cxnSp>
-      <p:cxnSp>
-        <p:nvCxnSpPr>
-          <p:cNvPr id="2" name="Straight Arrow Connector 24">
-            <a:extLst>
-              <a:ext uri="{FF2B5EF4-FFF2-40B4-BE49-F238E27FC236}">
-                <a16:creationId xmlns:a16="http://schemas.microsoft.com/office/drawing/2014/main" id="{FCF68BCA-521D-B389-A760-CFADD5618D57}"/>
-              </a:ext>
-            </a:extLst>
-          </p:cNvPr>
-          <p:cNvCxnSpPr>
-            <a:cxnSpLocks/>
-            <a:stCxn id="18" idx="4"/>
-          </p:cNvCxnSpPr>
-          <p:nvPr/>
-        </p:nvCxnSpPr>
-        <p:spPr>
-          <a:xfrm flipV="1">
-            <a:off x="6800661" y="1836738"/>
-            <a:ext cx="590860" cy="1"/>
-          </a:xfrm>
-          <a:prstGeom prst="straightConnector1">
-            <a:avLst/>
-          </a:prstGeom>
-          <a:ln w="19050">
-            <a:solidFill>
-              <a:srgbClr val="0099CC"/>
-            </a:solidFill>
-            <a:headEnd type="none"/>
-            <a:tailEnd type="triangle"/>
-          </a:ln>
-        </p:spPr>
-        <p:style>
-          <a:lnRef idx="1">
-            <a:schemeClr val="accent1"/>
-          </a:lnRef>
-          <a:fillRef idx="0">
-            <a:schemeClr val="accent1"/>
-          </a:fillRef>
-          <a:effectRef idx="0">
-            <a:schemeClr val="accent1"/>
-          </a:effectRef>
-          <a:fontRef idx="minor">
-            <a:schemeClr val="tx1"/>
-          </a:fontRef>
-        </p:style>
-      </p:cxnSp>
-      <p:sp>
-        <p:nvSpPr>
-          <p:cNvPr id="3" name="Rectangle: Rounded Corners 118">
-            <a:extLst>
-              <a:ext uri="{FF2B5EF4-FFF2-40B4-BE49-F238E27FC236}">
-                <a16:creationId xmlns:a16="http://schemas.microsoft.com/office/drawing/2014/main" id="{1BB27DA8-EA9D-7237-2A39-BC7064F01D90}"/>
+      <p:sp>
+        <p:nvSpPr>
+          <p:cNvPr id="50" name="Rectangle: Rounded Corners 118">
+            <a:extLst>
+              <a:ext uri="{FF2B5EF4-FFF2-40B4-BE49-F238E27FC236}">
+                <a16:creationId xmlns:a16="http://schemas.microsoft.com/office/drawing/2014/main" id="{B36ED1A5-56ED-A665-1C3A-9E903F4ED445}"/>
               </a:ext>
             </a:extLst>
           </p:cNvPr>
@@ -6750,99 +6711,8 @@
         </p:nvSpPr>
         <p:spPr bwMode="auto">
           <a:xfrm>
-            <a:off x="7391521" y="1355922"/>
-            <a:ext cx="1205708" cy="1029456"/>
-          </a:xfrm>
-          <a:prstGeom prst="roundRect">
-            <a:avLst>
-              <a:gd name="adj" fmla="val 3125"/>
-            </a:avLst>
-          </a:prstGeom>
-          <a:solidFill>
-            <a:srgbClr val="FCFDFE"/>
-          </a:solidFill>
-          <a:ln w="25400">
-            <a:solidFill>
-              <a:srgbClr val="0F78D4"/>
-            </a:solidFill>
-            <a:headEnd type="none" w="med" len="med"/>
-            <a:tailEnd type="none" w="med" len="med"/>
-          </a:ln>
-          <a:effectLst/>
-        </p:spPr>
-        <p:style>
-          <a:lnRef idx="1">
-            <a:schemeClr val="accent2"/>
-          </a:lnRef>
-          <a:fillRef idx="3">
-            <a:schemeClr val="accent2"/>
-          </a:fillRef>
-          <a:effectRef idx="2">
-            <a:schemeClr val="accent2"/>
-          </a:effectRef>
-          <a:fontRef idx="minor">
-            <a:schemeClr val="lt1"/>
-          </a:fontRef>
-        </p:style>
-        <p:txBody>
-          <a:bodyPr rot="0" spcFirstLastPara="0" vertOverflow="overflow" horzOverflow="overflow" vert="horz" wrap="square" lIns="179285" tIns="143428" rIns="179285" bIns="143428" numCol="1" spcCol="0" rtlCol="0" fromWordArt="0" anchor="ctr" anchorCtr="0" forceAA="0" compatLnSpc="1">
-            <a:prstTxWarp prst="textNoShape">
-              <a:avLst/>
-            </a:prstTxWarp>
-            <a:noAutofit/>
-          </a:bodyPr>
-          <a:lstStyle/>
-          <a:p>
-            <a:pPr marL="0" marR="0" lvl="0" indent="0" algn="ctr" defTabSz="914102" rtl="0" eaLnBrk="1" fontAlgn="base" latinLnBrk="0" hangingPunct="1">
-              <a:lnSpc>
-                <a:spcPct val="90000"/>
-              </a:lnSpc>
-              <a:spcBef>
-                <a:spcPct val="0"/>
-              </a:spcBef>
-              <a:spcAft>
-                <a:spcPct val="0"/>
-              </a:spcAft>
-              <a:buClrTx/>
-              <a:buSzTx/>
-              <a:buFontTx/>
-              <a:buNone/>
-              <a:tabLst/>
-              <a:defRPr/>
-            </a:pPr>
-            <a:endParaRPr kumimoji="0" lang="en-US" sz="1176" b="0" i="0" u="none" strike="noStrike" kern="1200" cap="none" spc="0" normalizeH="0" baseline="0" noProof="0" dirty="0">
-              <a:ln>
-                <a:noFill/>
-              </a:ln>
-              <a:solidFill>
-                <a:srgbClr val="3C3C41"/>
-              </a:solidFill>
-              <a:effectLst/>
-              <a:uLnTx/>
-              <a:uFillTx/>
-              <a:latin typeface="Segoe UI"/>
-              <a:ea typeface="+mn-ea"/>
-              <a:cs typeface="Segoe UI" pitchFamily="34" charset="0"/>
-            </a:endParaRPr>
-          </a:p>
-        </p:txBody>
-      </p:sp>
-      <p:sp>
-        <p:nvSpPr>
-          <p:cNvPr id="50" name="Rectangle: Rounded Corners 118">
-            <a:extLst>
-              <a:ext uri="{FF2B5EF4-FFF2-40B4-BE49-F238E27FC236}">
-                <a16:creationId xmlns:a16="http://schemas.microsoft.com/office/drawing/2014/main" id="{B36ED1A5-56ED-A665-1C3A-9E903F4ED445}"/>
-              </a:ext>
-            </a:extLst>
-          </p:cNvPr>
-          <p:cNvSpPr/>
-          <p:nvPr/>
-        </p:nvSpPr>
-        <p:spPr bwMode="auto">
-          <a:xfrm>
-            <a:off x="7478937" y="1608138"/>
-            <a:ext cx="1044862" cy="488446"/>
+            <a:off x="8352733" y="3168669"/>
+            <a:ext cx="1044862" cy="548640"/>
           </a:xfrm>
           <a:prstGeom prst="roundRect">
             <a:avLst>
@@ -6951,8 +6821,8 @@
         </p:nvSpPr>
         <p:spPr>
           <a:xfrm>
-            <a:off x="7440655" y="2410730"/>
-            <a:ext cx="1097280" cy="369332"/>
+            <a:off x="6965391" y="2303660"/>
+            <a:ext cx="1236777" cy="492443"/>
           </a:xfrm>
           <a:prstGeom prst="rect">
             <a:avLst/>
@@ -7015,7 +6885,7 @@
               <a:defRPr/>
             </a:pPr>
             <a:r>
-              <a:rPr kumimoji="0" lang="en-US" sz="2400" b="0" i="0" u="none" strike="noStrike" kern="1200" cap="none" spc="0" normalizeH="0" baseline="0" noProof="0" dirty="0">
+              <a:rPr kumimoji="0" lang="en-US" sz="3200" b="0" i="0" u="none" strike="noStrike" kern="1200" cap="none" spc="0" normalizeH="0" baseline="0" noProof="0" dirty="0">
                 <a:ln w="3175">
                   <a:noFill/>
                 </a:ln>
